--- a/Later/JavaIO/JavaIO_50/Java SequenceInputStream class.pptx
+++ b/Later/JavaIO/JavaIO_50/Java SequenceInputStream class.pptx
@@ -4150,13 +4150,13 @@
         </p:nvSpPr>
         <p:spPr>
           <a:xfrm>
-            <a:off x="288343" y="485013"/>
-            <a:ext cx="8610600" cy="1220724"/>
+            <a:off x="288343" y="485012"/>
+            <a:ext cx="8610600" cy="1410373"/>
           </a:xfrm>
           <a:prstGeom prst="wedgeRoundRectCallout">
             <a:avLst>
-              <a:gd name="adj1" fmla="val -13746"/>
-              <a:gd name="adj2" fmla="val 156835"/>
+              <a:gd name="adj1" fmla="val -13193"/>
+              <a:gd name="adj2" fmla="val 127119"/>
               <a:gd name="adj3" fmla="val 16667"/>
             </a:avLst>
           </a:prstGeom>
@@ -4198,19 +4198,7 @@
             </a:r>
             <a:r>
               <a:rPr lang="en-US" sz="1200" dirty="0"/>
-              <a:t> combines two or more other </a:t>
-            </a:r>
-            <a:r>
-              <a:rPr lang="en-US" sz="1200" dirty="0"/>
-              <a:t>InputStream</a:t>
-            </a:r>
-            <a:r>
-              <a:rPr lang="en-US" sz="1200" dirty="0"/>
-              <a:t>'s</a:t>
-            </a:r>
-            <a:r>
-              <a:rPr lang="en-US" sz="1200" dirty="0"/>
-              <a:t> into one. First </a:t>
+              <a:t> combines two or more other InputStream's into one. First </a:t>
             </a:r>
             <a:r>
               <a:rPr lang="en-US" sz="1200" dirty="0" smtClean="0"/>
@@ -4226,15 +4214,7 @@
             </a:r>
             <a:r>
               <a:rPr lang="en-US" sz="1200" dirty="0"/>
-              <a:t> will read all bytes from the first </a:t>
-            </a:r>
-            <a:r>
-              <a:rPr lang="en-US" sz="1200" dirty="0"/>
-              <a:t>InputStream</a:t>
-            </a:r>
-            <a:r>
-              <a:rPr lang="en-US" sz="1200" dirty="0"/>
-              <a:t>, then all bytes from the </a:t>
+              <a:t> will read all bytes from the first InputStream, then all bytes from the </a:t>
             </a:r>
             <a:r>
               <a:rPr lang="en-US" sz="1200" dirty="0" smtClean="0"/>
@@ -4254,15 +4234,7 @@
             </a:r>
             <a:r>
               <a:rPr lang="en-US" sz="1200" dirty="0"/>
-              <a:t>, since the </a:t>
-            </a:r>
-            <a:r>
-              <a:rPr lang="en-US" sz="1200" dirty="0"/>
-              <a:t>InputStream</a:t>
-            </a:r>
-            <a:r>
-              <a:rPr lang="en-US" sz="1200" dirty="0"/>
-              <a:t> instances are read in sequence</a:t>
+              <a:t>, since the InputStream instances are read in sequence</a:t>
             </a:r>
             <a:r>
               <a:rPr lang="en-US" sz="1200" dirty="0" smtClean="0"/>
@@ -4295,7 +4267,52 @@
             </a:r>
             <a:r>
               <a:rPr lang="en-US" sz="1200" dirty="0"/>
-              <a:t> class is used to read data from multiple streams. It reads data of streams one by one.</a:t>
+              <a:t> class is used to read data from multiple streams. It reads data of streams one by one</a:t>
+            </a:r>
+            <a:r>
+              <a:rPr lang="en-US" sz="1200" dirty="0" smtClean="0"/>
+              <a:t>.</a:t>
+            </a:r>
+          </a:p>
+          <a:p>
+            <a:pPr marL="171450" indent="-171450">
+              <a:buFont typeface="Wingdings" pitchFamily="2" charset="2"/>
+              <a:buChar char="ü"/>
+            </a:pPr>
+            <a:endParaRPr lang="en-US" sz="1200" dirty="0"/>
+          </a:p>
+          <a:p>
+            <a:pPr marL="171450" indent="-171450">
+              <a:buFont typeface="Wingdings" pitchFamily="2" charset="2"/>
+              <a:buChar char="ü"/>
+            </a:pPr>
+            <a:r>
+              <a:rPr lang="en-US" sz="1200" dirty="0"/>
+              <a:t>The </a:t>
+            </a:r>
+            <a:r>
+              <a:rPr lang="en-US" sz="1200" b="1" dirty="0">
+                <a:solidFill>
+                  <a:srgbClr val="0070C0"/>
+                </a:solidFill>
+              </a:rPr>
+              <a:t>SequenceInputStream</a:t>
+            </a:r>
+            <a:r>
+              <a:rPr lang="en-US" sz="1200" b="1" dirty="0"/>
+              <a:t> </a:t>
+            </a:r>
+            <a:r>
+              <a:rPr lang="en-US" sz="1200" dirty="0"/>
+              <a:t>class allows you to concatenate multiple </a:t>
+            </a:r>
+            <a:r>
+              <a:rPr lang="en-US" sz="1200" dirty="0" err="1" smtClean="0"/>
+              <a:t>InputStream’s</a:t>
+            </a:r>
+            <a:r>
+              <a:rPr lang="en-US" sz="1200" dirty="0" smtClean="0"/>
+              <a:t>.</a:t>
             </a:r>
             <a:endParaRPr lang="en-US" sz="1200" dirty="0"/>
           </a:p>
@@ -4375,15 +4392,7 @@
             <a:pPr algn="ctr"/>
             <a:r>
               <a:rPr lang="en-US" sz="900" dirty="0" smtClean="0"/>
-              <a:t>InputStream[</a:t>
-            </a:r>
-            <a:r>
-              <a:rPr lang="en-US" sz="900" dirty="0" smtClean="0"/>
-              <a:t>i.e.FileInputStream</a:t>
-            </a:r>
-            <a:r>
-              <a:rPr lang="en-US" sz="900" dirty="0" smtClean="0"/>
-              <a:t>]</a:t>
+              <a:t>InputStream[i.e.FileInputStream]</a:t>
             </a:r>
             <a:r>
               <a:rPr lang="en-US" sz="900" dirty="0"/>
@@ -4428,15 +4437,7 @@
             <a:pPr algn="ctr"/>
             <a:r>
               <a:rPr lang="en-US" sz="900" dirty="0" smtClean="0"/>
-              <a:t>InputStream[</a:t>
-            </a:r>
-            <a:r>
-              <a:rPr lang="en-US" sz="900" dirty="0" smtClean="0"/>
-              <a:t>i.e.FileInputStream</a:t>
-            </a:r>
-            <a:r>
-              <a:rPr lang="en-US" sz="900" dirty="0" smtClean="0"/>
-              <a:t>]</a:t>
+              <a:t>InputStream[i.e.FileInputStream]</a:t>
             </a:r>
             <a:r>
               <a:rPr lang="en-US" sz="900" dirty="0"/>
@@ -4481,15 +4482,7 @@
             <a:pPr algn="ctr"/>
             <a:r>
               <a:rPr lang="en-US" sz="900" dirty="0" smtClean="0"/>
-              <a:t>InputStream[</a:t>
-            </a:r>
-            <a:r>
-              <a:rPr lang="en-US" sz="900" dirty="0" smtClean="0"/>
-              <a:t>i.e.FileInputStream</a:t>
-            </a:r>
-            <a:r>
-              <a:rPr lang="en-US" sz="900" dirty="0" smtClean="0"/>
-              <a:t>]</a:t>
+              <a:t>InputStream[i.e.FileInputStream]</a:t>
             </a:r>
             <a:r>
               <a:rPr lang="en-US" sz="900" dirty="0"/>
